--- a/4 ⚙️ Solution/70 🌳 Ambient/74 💍 Brand Userables/00 📎 Assets/💍 .pptx
+++ b/4 ⚙️ Solution/70 🌳 Ambient/74 💍 Brand Userables/00 📎 Assets/💍 .pptx
@@ -31,7 +31,7 @@
       <p:boldItalic r:id="rId15"/>
     </p:embeddedFont>
     <p:embeddedFont>
-      <p:font typeface="Amazon Ember Display" panose="020B0603020204020204" pitchFamily="34" charset="0"/>
+      <p:font typeface="Amazon Ember Display" panose="020F0603020204020204" pitchFamily="34" charset="0"/>
       <p:regular r:id="rId16"/>
       <p:bold r:id="rId17"/>
       <p:italic r:id="rId18"/>
@@ -725,7 +725,7 @@
           <a:p>
             <a:fld id="{542F96DF-134D-4F6A-BFA6-E032E504EEEB}" type="datetime8">
               <a:rPr lang="en-US" smtClean="0"/>
-              <a:t>4/22/25 9:15 PM</a:t>
+              <a:t>9/16/25 4:24 PM</a:t>
             </a:fld>
             <a:endParaRPr lang="en-US" dirty="0"/>
           </a:p>
@@ -932,7 +932,7 @@
           <a:p>
             <a:fld id="{542F96DF-134D-4F6A-BFA6-E032E504EEEB}" type="datetime8">
               <a:rPr lang="en-US" smtClean="0"/>
-              <a:t>4/22/25 9:15 PM</a:t>
+              <a:t>9/16/25 4:24 PM</a:t>
             </a:fld>
             <a:endParaRPr lang="en-US" dirty="0"/>
           </a:p>
@@ -1139,7 +1139,7 @@
           <a:p>
             <a:fld id="{542F96DF-134D-4F6A-BFA6-E032E504EEEB}" type="datetime8">
               <a:rPr lang="en-US" smtClean="0"/>
-              <a:t>4/22/25 9:15 PM</a:t>
+              <a:t>9/16/25 4:24 PM</a:t>
             </a:fld>
             <a:endParaRPr lang="en-US" dirty="0"/>
           </a:p>
@@ -1346,7 +1346,7 @@
           <a:p>
             <a:fld id="{542F96DF-134D-4F6A-BFA6-E032E504EEEB}" type="datetime8">
               <a:rPr lang="en-US" smtClean="0"/>
-              <a:t>4/22/25 9:15 PM</a:t>
+              <a:t>9/16/25 4:24 PM</a:t>
             </a:fld>
             <a:endParaRPr lang="en-US" dirty="0"/>
           </a:p>
@@ -1643,7 +1643,7 @@
           <a:p>
             <a:fld id="{542F96DF-134D-4F6A-BFA6-E032E504EEEB}" type="datetime8">
               <a:rPr lang="en-US" smtClean="0"/>
-              <a:t>4/22/25 9:22 PM</a:t>
+              <a:t>9/16/25 4:24 PM</a:t>
             </a:fld>
             <a:endParaRPr lang="en-US" dirty="0"/>
           </a:p>
@@ -7838,7 +7838,7 @@
                       </a:glow>
                     </a:effectLst>
                   </a:rPr>
-                  <a:t>🎩</a:t>
+                  <a:t>🧳</a:t>
                 </a:r>
                 <a:r>
                   <a:rPr lang="en-GB" sz="2400" dirty="0">
@@ -10148,7 +10148,7 @@
                     <a:schemeClr val="tx1"/>
                   </a:solidFill>
                 </a:rPr>
-                <a:t>5</a:t>
+                <a:t>4</a:t>
               </a:r>
             </a:p>
           </p:txBody>
@@ -11155,7 +11155,7 @@
                     </a:glow>
                   </a:effectLst>
                 </a:rPr>
-                <a:t>🎩</a:t>
+                <a:t>🧳</a:t>
               </a:r>
               <a:r>
                 <a:rPr lang="en-GB" sz="2400" dirty="0">
@@ -12365,7 +12365,7 @@
                     <a:schemeClr val="tx1"/>
                   </a:solidFill>
                 </a:rPr>
-                <a:t>6</a:t>
+                <a:t>5</a:t>
               </a:r>
             </a:p>
           </p:txBody>
@@ -13309,7 +13309,7 @@
                     <a:schemeClr val="tx1"/>
                   </a:solidFill>
                 </a:rPr>
-                <a:t>7</a:t>
+                <a:t>6</a:t>
               </a:r>
             </a:p>
           </p:txBody>
@@ -15137,7 +15137,7 @@
                       </a:glow>
                     </a:effectLst>
                   </a:rPr>
-                  <a:t>🎩</a:t>
+                  <a:t>🧳</a:t>
                 </a:r>
                 <a:r>
                   <a:rPr lang="en-GB" sz="2400" dirty="0">
@@ -20935,10 +20935,10 @@
         </p:nvGrpSpPr>
         <p:grpSpPr>
           <a:xfrm>
-            <a:off x="5824335" y="3779017"/>
-            <a:ext cx="1893073" cy="1038741"/>
-            <a:chOff x="6288851" y="5100898"/>
-            <a:chExt cx="3689062" cy="1038741"/>
+            <a:off x="5737905" y="3779017"/>
+            <a:ext cx="1979504" cy="1038741"/>
+            <a:chOff x="6120423" y="5100898"/>
+            <a:chExt cx="3857491" cy="1038741"/>
           </a:xfrm>
         </p:grpSpPr>
         <p:sp>
@@ -20955,8 +20955,8 @@
           </p:nvSpPr>
           <p:spPr>
             <a:xfrm>
-              <a:off x="6429798" y="5498937"/>
-              <a:ext cx="3417390" cy="562183"/>
+              <a:off x="6261074" y="5498937"/>
+              <a:ext cx="3586113" cy="562183"/>
             </a:xfrm>
             <a:prstGeom prst="rect">
               <a:avLst/>
@@ -21041,8 +21041,8 @@
           </p:nvSpPr>
           <p:spPr>
             <a:xfrm>
-              <a:off x="6288851" y="5100898"/>
-              <a:ext cx="3689062" cy="1038741"/>
+              <a:off x="6120423" y="5100898"/>
+              <a:ext cx="3857491" cy="1038741"/>
             </a:xfrm>
             <a:prstGeom prst="rect">
               <a:avLst/>
@@ -21257,7 +21257,7 @@
                     </a:glow>
                   </a:effectLst>
                 </a:rPr>
-                <a:t>🎩</a:t>
+                <a:t>🧳</a:t>
               </a:r>
               <a:r>
                 <a:rPr lang="en-GB" sz="2400" dirty="0">
@@ -21617,7 +21617,7 @@
         <p:spPr>
           <a:xfrm rot="5400000">
             <a:off x="8468546" y="3175466"/>
-            <a:ext cx="371785" cy="1874059"/>
+            <a:ext cx="371785" cy="1874058"/>
           </a:xfrm>
           <a:prstGeom prst="bentConnector2">
             <a:avLst/>
@@ -24548,7 +24548,7 @@
                     </a:glow>
                   </a:effectLst>
                 </a:rPr>
-                <a:t>🎩</a:t>
+                <a:t>🧳</a:t>
               </a:r>
               <a:r>
                 <a:rPr lang="en-GB" sz="2400" dirty="0">
@@ -28258,7 +28258,7 @@
                   </a:glow>
                 </a:effectLst>
               </a:rPr>
-              <a:t>🎩</a:t>
+              <a:t>🧳</a:t>
             </a:r>
             <a:r>
               <a:rPr lang="en-GB" sz="2400" dirty="0">

--- a/4 ⚙️ Solution/70 🌳 Ambient/74 💍 Brand Userables/00 📎 Assets/💍 .pptx
+++ b/4 ⚙️ Solution/70 🌳 Ambient/74 💍 Brand Userables/00 📎 Assets/💍 .pptx
@@ -725,7 +725,7 @@
           <a:p>
             <a:fld id="{542F96DF-134D-4F6A-BFA6-E032E504EEEB}" type="datetime8">
               <a:rPr lang="en-US" smtClean="0"/>
-              <a:t>9/16/25 4:24 PM</a:t>
+              <a:t>9/17/25 5:59 PM</a:t>
             </a:fld>
             <a:endParaRPr lang="en-US" dirty="0"/>
           </a:p>
@@ -932,7 +932,7 @@
           <a:p>
             <a:fld id="{542F96DF-134D-4F6A-BFA6-E032E504EEEB}" type="datetime8">
               <a:rPr lang="en-US" smtClean="0"/>
-              <a:t>9/16/25 4:24 PM</a:t>
+              <a:t>9/17/25 5:59 PM</a:t>
             </a:fld>
             <a:endParaRPr lang="en-US" dirty="0"/>
           </a:p>
@@ -1139,7 +1139,7 @@
           <a:p>
             <a:fld id="{542F96DF-134D-4F6A-BFA6-E032E504EEEB}" type="datetime8">
               <a:rPr lang="en-US" smtClean="0"/>
-              <a:t>9/16/25 4:24 PM</a:t>
+              <a:t>9/17/25 5:59 PM</a:t>
             </a:fld>
             <a:endParaRPr lang="en-US" dirty="0"/>
           </a:p>
@@ -1346,7 +1346,7 @@
           <a:p>
             <a:fld id="{542F96DF-134D-4F6A-BFA6-E032E504EEEB}" type="datetime8">
               <a:rPr lang="en-US" smtClean="0"/>
-              <a:t>9/16/25 4:24 PM</a:t>
+              <a:t>9/17/25 5:59 PM</a:t>
             </a:fld>
             <a:endParaRPr lang="en-US" dirty="0"/>
           </a:p>
@@ -1643,7 +1643,7 @@
           <a:p>
             <a:fld id="{542F96DF-134D-4F6A-BFA6-E032E504EEEB}" type="datetime8">
               <a:rPr lang="en-US" smtClean="0"/>
-              <a:t>9/16/25 4:24 PM</a:t>
+              <a:t>9/17/25 5:59 PM</a:t>
             </a:fld>
             <a:endParaRPr lang="en-US" dirty="0"/>
           </a:p>
@@ -23195,8 +23195,8 @@
         </p:nvGrpSpPr>
         <p:grpSpPr>
           <a:xfrm>
-            <a:off x="9469049" y="1622178"/>
-            <a:ext cx="1937537" cy="1038741"/>
+            <a:off x="9372172" y="1622178"/>
+            <a:ext cx="2131291" cy="1038741"/>
             <a:chOff x="7507403" y="1006813"/>
             <a:chExt cx="691415" cy="1038741"/>
           </a:xfrm>
@@ -25516,7 +25516,7 @@
           </a:xfrm>
           <a:prstGeom prst="bentConnector3">
             <a:avLst>
-              <a:gd name="adj1" fmla="val 290264"/>
+              <a:gd name="adj1" fmla="val 289132"/>
             </a:avLst>
           </a:prstGeom>
           <a:ln>
